--- a/UA Tutorials/Lecture 4 - VISIT - How to plot IBAMR Data.pptx
+++ b/UA Tutorials/Lecture 4 - VISIT - How to plot IBAMR Data.pptx
@@ -13205,7 +13205,7 @@
               <a:buNone/>
             </a:pPr>
             <a:r>
-              <a:rPr lang="en" sz="1600">
+              <a:rPr lang="en" sz="1600" dirty="0">
                 <a:solidFill>
                   <a:schemeClr val="dk1"/>
                 </a:solidFill>
@@ -13213,23 +13213,39 @@
               <a:t>Next click on the </a:t>
             </a:r>
             <a:r>
-              <a:rPr lang="en" sz="1600" i="1">
+              <a:rPr lang="en" sz="1600" i="1" dirty="0">
                 <a:solidFill>
                   <a:schemeClr val="dk1"/>
                 </a:solidFill>
               </a:rPr>
-              <a:t>Visit 2.5.2</a:t>
-            </a:r>
-            <a:r>
-              <a:rPr lang="en" sz="1600">
+              <a:t>Visit </a:t>
+            </a:r>
+            <a:r>
+              <a:rPr lang="en" sz="1600" i="1" dirty="0" smtClean="0">
                 <a:solidFill>
                   <a:schemeClr val="dk1"/>
                 </a:solidFill>
               </a:rPr>
-              <a:t> next to </a:t>
-            </a:r>
-            <a:r>
-              <a:rPr lang="en" sz="1600" i="1">
+              <a:t>X.X.X</a:t>
+            </a:r>
+            <a:r>
+              <a:rPr lang="en" sz="1600" dirty="0" smtClean="0">
+                <a:solidFill>
+                  <a:schemeClr val="dk1"/>
+                </a:solidFill>
+              </a:rPr>
+              <a:t> </a:t>
+            </a:r>
+            <a:r>
+              <a:rPr lang="en" sz="1600" dirty="0">
+                <a:solidFill>
+                  <a:schemeClr val="dk1"/>
+                </a:solidFill>
+              </a:rPr>
+              <a:t>next to </a:t>
+            </a:r>
+            <a:r>
+              <a:rPr lang="en" sz="1600" i="1" dirty="0">
                 <a:solidFill>
                   <a:schemeClr val="dk1"/>
                 </a:solidFill>
@@ -13237,7 +13253,7 @@
               <a:t>File</a:t>
             </a:r>
             <a:r>
-              <a:rPr lang="en" sz="1600">
+              <a:rPr lang="en" sz="1600" dirty="0">
                 <a:solidFill>
                   <a:schemeClr val="dk1"/>
                 </a:solidFill>
@@ -13245,7 +13261,7 @@
               <a:t> and click on </a:t>
             </a:r>
             <a:r>
-              <a:rPr lang="en" sz="1600" i="1">
+              <a:rPr lang="en" sz="1600" i="1" dirty="0">
                 <a:solidFill>
                   <a:schemeClr val="dk1"/>
                 </a:solidFill>
@@ -13253,7 +13269,7 @@
               <a:t>Preferences </a:t>
             </a:r>
             <a:r>
-              <a:rPr lang="en" sz="1600">
+              <a:rPr lang="en" sz="1600" dirty="0">
                 <a:solidFill>
                   <a:schemeClr val="dk1"/>
                 </a:solidFill>
@@ -13261,7 +13277,7 @@
               <a:t>and then UNCHECK the box that reads </a:t>
             </a:r>
             <a:r>
-              <a:rPr lang="en" sz="1600" i="1">
+              <a:rPr lang="en" sz="1600" i="1" dirty="0">
                 <a:solidFill>
                   <a:schemeClr val="dk1"/>
                 </a:solidFill>
@@ -13269,14 +13285,14 @@
               <a:t>Enable Warning Message Popups</a:t>
             </a:r>
             <a:r>
-              <a:rPr lang="en" sz="1600">
+              <a:rPr lang="en" sz="1600" dirty="0">
                 <a:solidFill>
                   <a:schemeClr val="dk1"/>
                 </a:solidFill>
               </a:rPr>
               <a:t>. (The reason for this is because when we start saving movies, a pop-up will spring up every time-step, which quite frankly can gets rather annoying).</a:t>
             </a:r>
-            <a:endParaRPr sz="1600">
+            <a:endParaRPr sz="1600" dirty="0">
               <a:solidFill>
                 <a:schemeClr val="dk1"/>
               </a:solidFill>
